--- a/Билет10.pptx
+++ b/Билет10.pptx
@@ -3418,8 +3418,12 @@
           <a:lstStyle/>
           <a:p>
             <a:r>
+              <a:rPr lang="ru-RU" dirty="0" err="1"/>
+              <a:t>Экзаменоционный</a:t>
+            </a:r>
+            <a:r>
               <a:rPr lang="ru-RU" dirty="0"/>
-              <a:t>Экзамены билет 10</a:t>
+              <a:t> билет 10</a:t>
             </a:r>
           </a:p>
         </p:txBody>
